--- a/meetings/2019_12_12_midterm/midterm_korbi.pptx
+++ b/meetings/2019_12_12_midterm/midterm_korbi.pptx
@@ -3823,7 +3823,7 @@
             </a:pPr>
             <a:r>
               <a:rPr lang="en-US" dirty="0"/>
-              <a:t>History and Architecture and Net</a:t>
+              <a:t>History and Architecture</a:t>
             </a:r>
           </a:p>
           <a:p>
@@ -4084,7 +4084,7 @@
             </a:pPr>
             <a:r>
               <a:rPr lang="en-US" dirty="0"/>
-              <a:t>History and Architecture and Net</a:t>
+              <a:t>History and Architecture</a:t>
             </a:r>
           </a:p>
         </p:txBody>

--- a/meetings/2019_12_12_midterm/midterm_korbi.pptx
+++ b/meetings/2019_12_12_midterm/midterm_korbi.pptx
@@ -5,20 +5,22 @@
     <p:sldMasterId id="2147483648" r:id="rId1"/>
   </p:sldMasterIdLst>
   <p:notesMasterIdLst>
-    <p:notesMasterId r:id="rId10"/>
+    <p:notesMasterId r:id="rId12"/>
   </p:notesMasterIdLst>
   <p:handoutMasterIdLst>
-    <p:handoutMasterId r:id="rId11"/>
+    <p:handoutMasterId r:id="rId13"/>
   </p:handoutMasterIdLst>
   <p:sldIdLst>
     <p:sldId id="256" r:id="rId2"/>
     <p:sldId id="257" r:id="rId3"/>
     <p:sldId id="258" r:id="rId4"/>
     <p:sldId id="259" r:id="rId5"/>
-    <p:sldId id="260" r:id="rId6"/>
-    <p:sldId id="261" r:id="rId7"/>
-    <p:sldId id="262" r:id="rId8"/>
-    <p:sldId id="263" r:id="rId9"/>
+    <p:sldId id="264" r:id="rId6"/>
+    <p:sldId id="265" r:id="rId7"/>
+    <p:sldId id="260" r:id="rId8"/>
+    <p:sldId id="261" r:id="rId9"/>
+    <p:sldId id="262" r:id="rId10"/>
+    <p:sldId id="263" r:id="rId11"/>
   </p:sldIdLst>
   <p:sldSz cx="9144000" cy="6858000" type="screen4x3"/>
   <p:notesSz cx="6858000" cy="9144000"/>
@@ -273,7 +275,7 @@
           <a:p>
             <a:fld id="{A32DC80D-291A-4ABB-A78B-0417274A267C}" type="datetime4">
               <a:rPr lang="de-DE"/>
-              <a:t>3. Dezember 2019</a:t>
+              <a:t>9. Dezember 2019</a:t>
             </a:fld>
             <a:endParaRPr lang="de-DE"/>
           </a:p>
@@ -623,7 +625,7 @@
           <a:p>
             <a:fld id="{065B079B-E513-489A-8A1B-D7C78493EA86}" type="datetime4">
               <a:rPr lang="de-DE"/>
-              <a:t>3. Dezember 2019</a:t>
+              <a:t>9. Dezember 2019</a:t>
             </a:fld>
             <a:endParaRPr lang="de-DE"/>
           </a:p>
@@ -1149,6 +1151,282 @@
 </p:notesMaster>
 </file>
 
+<file path=ppt/notesSlides/notesSlide1.xml><?xml version="1.0" encoding="utf-8"?>
+<p:notes xmlns:a="http://schemas.openxmlformats.org/drawingml/2006/main" xmlns:r="http://schemas.openxmlformats.org/officeDocument/2006/relationships" xmlns:p="http://schemas.openxmlformats.org/presentationml/2006/main">
+  <p:cSld>
+    <p:spTree>
+      <p:nvGrpSpPr>
+        <p:cNvPr id="1" name=""/>
+        <p:cNvGrpSpPr/>
+        <p:nvPr/>
+      </p:nvGrpSpPr>
+      <p:grpSpPr>
+        <a:xfrm>
+          <a:off x="0" y="0"/>
+          <a:ext cx="0" cy="0"/>
+          <a:chOff x="0" y="0"/>
+          <a:chExt cx="0" cy="0"/>
+        </a:xfrm>
+      </p:grpSpPr>
+      <p:sp>
+        <p:nvSpPr>
+          <p:cNvPr id="2" name="Folienbildplatzhalter 1"/>
+          <p:cNvSpPr>
+            <a:spLocks noGrp="1" noRot="1" noChangeAspect="1"/>
+          </p:cNvSpPr>
+          <p:nvPr>
+            <p:ph type="sldImg"/>
+          </p:nvPr>
+        </p:nvSpPr>
+        <p:spPr>
+          <a:xfrm>
+            <a:off x="1371600" y="923925"/>
+            <a:ext cx="4095750" cy="3071813"/>
+          </a:xfrm>
+        </p:spPr>
+      </p:sp>
+      <p:sp>
+        <p:nvSpPr>
+          <p:cNvPr id="3" name="Notizenplatzhalter 2"/>
+          <p:cNvSpPr>
+            <a:spLocks noGrp="1"/>
+          </p:cNvSpPr>
+          <p:nvPr>
+            <p:ph type="body" idx="1"/>
+          </p:nvPr>
+        </p:nvSpPr>
+        <p:spPr/>
+        <p:txBody>
+          <a:bodyPr/>
+          <a:lstStyle/>
+          <a:p>
+            <a:endParaRPr lang="de-DE" dirty="0"/>
+          </a:p>
+        </p:txBody>
+      </p:sp>
+      <p:sp>
+        <p:nvSpPr>
+          <p:cNvPr id="4" name="Datumsplatzhalter 3"/>
+          <p:cNvSpPr>
+            <a:spLocks noGrp="1"/>
+          </p:cNvSpPr>
+          <p:nvPr>
+            <p:ph type="dt" idx="1"/>
+          </p:nvPr>
+        </p:nvSpPr>
+        <p:spPr/>
+        <p:txBody>
+          <a:bodyPr/>
+          <a:lstStyle/>
+          <a:p>
+            <a:fld id="{065B079B-E513-489A-8A1B-D7C78493EA86}" type="datetime4">
+              <a:rPr lang="de-DE" smtClean="0"/>
+              <a:t>9. Dezember 2019</a:t>
+            </a:fld>
+            <a:endParaRPr lang="de-DE"/>
+          </a:p>
+        </p:txBody>
+      </p:sp>
+      <p:sp>
+        <p:nvSpPr>
+          <p:cNvPr id="5" name="Fußzeilenplatzhalter 4"/>
+          <p:cNvSpPr>
+            <a:spLocks noGrp="1"/>
+          </p:cNvSpPr>
+          <p:nvPr>
+            <p:ph type="ftr" sz="quarter" idx="4"/>
+          </p:nvPr>
+        </p:nvSpPr>
+        <p:spPr/>
+        <p:txBody>
+          <a:bodyPr/>
+          <a:lstStyle/>
+          <a:p>
+            <a:r>
+              <a:rPr lang="de-DE"/>
+              <a:t>|  </a:t>
+            </a:r>
+          </a:p>
+        </p:txBody>
+      </p:sp>
+      <p:sp>
+        <p:nvSpPr>
+          <p:cNvPr id="6" name="Foliennummernplatzhalter 5"/>
+          <p:cNvSpPr>
+            <a:spLocks noGrp="1"/>
+          </p:cNvSpPr>
+          <p:nvPr>
+            <p:ph type="sldNum" sz="quarter" idx="5"/>
+          </p:nvPr>
+        </p:nvSpPr>
+        <p:spPr/>
+        <p:txBody>
+          <a:bodyPr/>
+          <a:lstStyle/>
+          <a:p>
+            <a:r>
+              <a:rPr lang="de-DE"/>
+              <a:t>|  </a:t>
+            </a:r>
+            <a:fld id="{C36AA9A4-5D0B-4134-89A6-D8B9DAA4F25C}" type="slidenum">
+              <a:rPr lang="de-DE" smtClean="0"/>
+              <a:t>5</a:t>
+            </a:fld>
+            <a:endParaRPr lang="de-DE"/>
+          </a:p>
+        </p:txBody>
+      </p:sp>
+    </p:spTree>
+    <p:extLst>
+      <p:ext uri="{BB962C8B-B14F-4D97-AF65-F5344CB8AC3E}">
+        <p14:creationId xmlns:p14="http://schemas.microsoft.com/office/powerpoint/2010/main" val="3289886766"/>
+      </p:ext>
+    </p:extLst>
+  </p:cSld>
+  <p:clrMapOvr>
+    <a:masterClrMapping/>
+  </p:clrMapOvr>
+</p:notes>
+</file>
+
+<file path=ppt/notesSlides/notesSlide2.xml><?xml version="1.0" encoding="utf-8"?>
+<p:notes xmlns:a="http://schemas.openxmlformats.org/drawingml/2006/main" xmlns:r="http://schemas.openxmlformats.org/officeDocument/2006/relationships" xmlns:p="http://schemas.openxmlformats.org/presentationml/2006/main">
+  <p:cSld>
+    <p:spTree>
+      <p:nvGrpSpPr>
+        <p:cNvPr id="1" name=""/>
+        <p:cNvGrpSpPr/>
+        <p:nvPr/>
+      </p:nvGrpSpPr>
+      <p:grpSpPr>
+        <a:xfrm>
+          <a:off x="0" y="0"/>
+          <a:ext cx="0" cy="0"/>
+          <a:chOff x="0" y="0"/>
+          <a:chExt cx="0" cy="0"/>
+        </a:xfrm>
+      </p:grpSpPr>
+      <p:sp>
+        <p:nvSpPr>
+          <p:cNvPr id="2" name="Folienbildplatzhalter 1"/>
+          <p:cNvSpPr>
+            <a:spLocks noGrp="1" noRot="1" noChangeAspect="1"/>
+          </p:cNvSpPr>
+          <p:nvPr>
+            <p:ph type="sldImg"/>
+          </p:nvPr>
+        </p:nvSpPr>
+        <p:spPr>
+          <a:xfrm>
+            <a:off x="1371600" y="923925"/>
+            <a:ext cx="4095750" cy="3071813"/>
+          </a:xfrm>
+        </p:spPr>
+      </p:sp>
+      <p:sp>
+        <p:nvSpPr>
+          <p:cNvPr id="3" name="Notizenplatzhalter 2"/>
+          <p:cNvSpPr>
+            <a:spLocks noGrp="1"/>
+          </p:cNvSpPr>
+          <p:nvPr>
+            <p:ph type="body" idx="1"/>
+          </p:nvPr>
+        </p:nvSpPr>
+        <p:spPr/>
+        <p:txBody>
+          <a:bodyPr/>
+          <a:lstStyle/>
+          <a:p>
+            <a:endParaRPr lang="de-DE" dirty="0"/>
+          </a:p>
+        </p:txBody>
+      </p:sp>
+      <p:sp>
+        <p:nvSpPr>
+          <p:cNvPr id="4" name="Datumsplatzhalter 3"/>
+          <p:cNvSpPr>
+            <a:spLocks noGrp="1"/>
+          </p:cNvSpPr>
+          <p:nvPr>
+            <p:ph type="dt" idx="1"/>
+          </p:nvPr>
+        </p:nvSpPr>
+        <p:spPr/>
+        <p:txBody>
+          <a:bodyPr/>
+          <a:lstStyle/>
+          <a:p>
+            <a:fld id="{065B079B-E513-489A-8A1B-D7C78493EA86}" type="datetime4">
+              <a:rPr lang="de-DE" smtClean="0"/>
+              <a:t>9. Dezember 2019</a:t>
+            </a:fld>
+            <a:endParaRPr lang="de-DE"/>
+          </a:p>
+        </p:txBody>
+      </p:sp>
+      <p:sp>
+        <p:nvSpPr>
+          <p:cNvPr id="5" name="Fußzeilenplatzhalter 4"/>
+          <p:cNvSpPr>
+            <a:spLocks noGrp="1"/>
+          </p:cNvSpPr>
+          <p:nvPr>
+            <p:ph type="ftr" sz="quarter" idx="4"/>
+          </p:nvPr>
+        </p:nvSpPr>
+        <p:spPr/>
+        <p:txBody>
+          <a:bodyPr/>
+          <a:lstStyle/>
+          <a:p>
+            <a:r>
+              <a:rPr lang="de-DE"/>
+              <a:t>|  </a:t>
+            </a:r>
+          </a:p>
+        </p:txBody>
+      </p:sp>
+      <p:sp>
+        <p:nvSpPr>
+          <p:cNvPr id="6" name="Foliennummernplatzhalter 5"/>
+          <p:cNvSpPr>
+            <a:spLocks noGrp="1"/>
+          </p:cNvSpPr>
+          <p:nvPr>
+            <p:ph type="sldNum" sz="quarter" idx="5"/>
+          </p:nvPr>
+        </p:nvSpPr>
+        <p:spPr/>
+        <p:txBody>
+          <a:bodyPr/>
+          <a:lstStyle/>
+          <a:p>
+            <a:r>
+              <a:rPr lang="de-DE"/>
+              <a:t>|  </a:t>
+            </a:r>
+            <a:fld id="{C36AA9A4-5D0B-4134-89A6-D8B9DAA4F25C}" type="slidenum">
+              <a:rPr lang="de-DE" smtClean="0"/>
+              <a:t>6</a:t>
+            </a:fld>
+            <a:endParaRPr lang="de-DE"/>
+          </a:p>
+        </p:txBody>
+      </p:sp>
+    </p:spTree>
+    <p:extLst>
+      <p:ext uri="{BB962C8B-B14F-4D97-AF65-F5344CB8AC3E}">
+        <p14:creationId xmlns:p14="http://schemas.microsoft.com/office/powerpoint/2010/main" val="1325185731"/>
+      </p:ext>
+    </p:extLst>
+  </p:cSld>
+  <p:clrMapOvr>
+    <a:masterClrMapping/>
+  </p:clrMapOvr>
+</p:notes>
+</file>
+
 <file path=ppt/slideLayouts/slideLayout1.xml><?xml version="1.0" encoding="utf-8"?>
 <p:sldLayout xmlns:a="http://schemas.openxmlformats.org/drawingml/2006/main" xmlns:r="http://schemas.openxmlformats.org/officeDocument/2006/relationships" xmlns:p="http://schemas.openxmlformats.org/presentationml/2006/main" showMasterSp="0" preserve="1" userDrawn="1">
   <p:cSld name="Titelfolie">
@@ -1486,7 +1764,7 @@
                 <a:ea typeface="+mn-ea"/>
                 <a:cs typeface="Tahoma" panose="020B0604030504040204" pitchFamily="34" charset="0"/>
               </a:rPr>
-              <a:t>03.12.2019</a:t>
+              <a:t>09.12.19</a:t>
             </a:fld>
             <a:r>
               <a:rPr kumimoji="0" lang="de-DE" sz="1000" b="0" i="0" u="none" strike="noStrike" kern="1200" cap="none" spc="0" normalizeH="0" baseline="0" noProof="0" dirty="0">
@@ -2987,7 +3265,7 @@
                 <a:ea typeface="+mn-ea"/>
                 <a:cs typeface="Tahoma" panose="020B0604030504040204" pitchFamily="34" charset="0"/>
               </a:rPr>
-              <a:t>03.12.2019</a:t>
+              <a:t>09.12.19</a:t>
             </a:fld>
             <a:r>
               <a:rPr kumimoji="0" lang="de-DE" sz="1000" b="0" i="0" u="none" strike="noStrike" kern="1200" cap="none" spc="0" normalizeH="0" baseline="0" noProof="0" dirty="0">
@@ -3685,7 +3963,7 @@
             </a:r>
             <a:r>
               <a:rPr lang="en-US" altLang="de-DE" sz="1800" dirty="0" err="1"/>
-              <a:t>Dörsan</a:t>
+              <a:t>Dörsam</a:t>
             </a:r>
             <a:r>
               <a:rPr lang="en-US" altLang="de-DE" sz="1800" dirty="0"/>
@@ -3734,6 +4012,263 @@
         </p:txBody>
       </p:sp>
     </p:spTree>
+  </p:cSld>
+  <p:clrMapOvr>
+    <a:masterClrMapping/>
+  </p:clrMapOvr>
+</p:sld>
+</file>
+
+<file path=ppt/slides/slide10.xml><?xml version="1.0" encoding="utf-8"?>
+<p:sld xmlns:a="http://schemas.openxmlformats.org/drawingml/2006/main" xmlns:r="http://schemas.openxmlformats.org/officeDocument/2006/relationships" xmlns:p="http://schemas.openxmlformats.org/presentationml/2006/main">
+  <p:cSld>
+    <p:spTree>
+      <p:nvGrpSpPr>
+        <p:cNvPr id="1" name=""/>
+        <p:cNvGrpSpPr/>
+        <p:nvPr/>
+      </p:nvGrpSpPr>
+      <p:grpSpPr>
+        <a:xfrm>
+          <a:off x="0" y="0"/>
+          <a:ext cx="0" cy="0"/>
+          <a:chOff x="0" y="0"/>
+          <a:chExt cx="0" cy="0"/>
+        </a:xfrm>
+      </p:grpSpPr>
+      <p:sp>
+        <p:nvSpPr>
+          <p:cNvPr id="2" name="Titel 1">
+            <a:extLst>
+              <a:ext uri="{FF2B5EF4-FFF2-40B4-BE49-F238E27FC236}">
+                <a16:creationId xmlns:a16="http://schemas.microsoft.com/office/drawing/2014/main" id="{58F29F37-F576-48D7-A284-FDC5010F3983}"/>
+              </a:ext>
+            </a:extLst>
+          </p:cNvPr>
+          <p:cNvSpPr>
+            <a:spLocks noGrp="1"/>
+          </p:cNvSpPr>
+          <p:nvPr>
+            <p:ph type="title"/>
+          </p:nvPr>
+        </p:nvSpPr>
+        <p:spPr/>
+        <p:txBody>
+          <a:bodyPr/>
+          <a:lstStyle/>
+          <a:p>
+            <a:pPr marL="457200" indent="-457200">
+              <a:buFont typeface="+mj-lt"/>
+              <a:buAutoNum type="arabicPeriod" startAt="6"/>
+            </a:pPr>
+            <a:r>
+              <a:rPr lang="en-US" dirty="0"/>
+              <a:t>Review</a:t>
+            </a:r>
+          </a:p>
+        </p:txBody>
+      </p:sp>
+      <p:sp>
+        <p:nvSpPr>
+          <p:cNvPr id="3" name="Inhaltsplatzhalter 2">
+            <a:extLst>
+              <a:ext uri="{FF2B5EF4-FFF2-40B4-BE49-F238E27FC236}">
+                <a16:creationId xmlns:a16="http://schemas.microsoft.com/office/drawing/2014/main" id="{9CEAAB0E-5D5C-4129-936B-DFFA777604D2}"/>
+              </a:ext>
+            </a:extLst>
+          </p:cNvPr>
+          <p:cNvSpPr>
+            <a:spLocks noGrp="1"/>
+          </p:cNvSpPr>
+          <p:nvPr>
+            <p:ph idx="1"/>
+          </p:nvPr>
+        </p:nvSpPr>
+        <p:spPr>
+          <a:xfrm>
+            <a:off x="360000" y="1620000"/>
+            <a:ext cx="8532480" cy="4479943"/>
+          </a:xfrm>
+        </p:spPr>
+        <p:txBody>
+          <a:bodyPr/>
+          <a:lstStyle/>
+          <a:p>
+            <a:pPr marL="0" indent="0"/>
+            <a:r>
+              <a:rPr lang="de-DE" dirty="0">
+                <a:solidFill>
+                  <a:srgbClr val="FF0000"/>
+                </a:solidFill>
+              </a:rPr>
+              <a:t>Whole Group: </a:t>
+            </a:r>
+            <a:r>
+              <a:rPr lang="de-DE" dirty="0" err="1">
+                <a:solidFill>
+                  <a:srgbClr val="FF0000"/>
+                </a:solidFill>
+              </a:rPr>
+              <a:t>Comparison</a:t>
+            </a:r>
+            <a:r>
+              <a:rPr lang="de-DE" dirty="0">
+                <a:solidFill>
+                  <a:srgbClr val="FF0000"/>
+                </a:solidFill>
+              </a:rPr>
+              <a:t> </a:t>
+            </a:r>
+            <a:r>
+              <a:rPr lang="de-DE" dirty="0" err="1">
+                <a:solidFill>
+                  <a:srgbClr val="FF0000"/>
+                </a:solidFill>
+              </a:rPr>
+              <a:t>between</a:t>
+            </a:r>
+            <a:r>
+              <a:rPr lang="de-DE" dirty="0">
+                <a:solidFill>
+                  <a:srgbClr val="FF0000"/>
+                </a:solidFill>
+              </a:rPr>
+              <a:t> </a:t>
+            </a:r>
+            <a:r>
+              <a:rPr lang="de-DE" dirty="0" err="1">
+                <a:solidFill>
+                  <a:srgbClr val="FF0000"/>
+                </a:solidFill>
+              </a:rPr>
+              <a:t>whats</a:t>
+            </a:r>
+            <a:r>
+              <a:rPr lang="de-DE" dirty="0">
+                <a:solidFill>
+                  <a:srgbClr val="FF0000"/>
+                </a:solidFill>
+              </a:rPr>
+              <a:t> </a:t>
+            </a:r>
+            <a:r>
+              <a:rPr lang="de-DE" dirty="0" err="1">
+                <a:solidFill>
+                  <a:srgbClr val="FF0000"/>
+                </a:solidFill>
+              </a:rPr>
+              <a:t>our</a:t>
+            </a:r>
+            <a:r>
+              <a:rPr lang="de-DE" dirty="0">
+                <a:solidFill>
+                  <a:srgbClr val="FF0000"/>
+                </a:solidFill>
+              </a:rPr>
+              <a:t> </a:t>
+            </a:r>
+            <a:r>
+              <a:rPr lang="de-DE" dirty="0" err="1">
+                <a:solidFill>
+                  <a:srgbClr val="FF0000"/>
+                </a:solidFill>
+              </a:rPr>
+              <a:t>state</a:t>
+            </a:r>
+            <a:r>
+              <a:rPr lang="de-DE" dirty="0">
+                <a:solidFill>
+                  <a:srgbClr val="FF0000"/>
+                </a:solidFill>
+              </a:rPr>
+              <a:t> </a:t>
+            </a:r>
+            <a:r>
+              <a:rPr lang="de-DE" dirty="0" err="1">
+                <a:solidFill>
+                  <a:srgbClr val="FF0000"/>
+                </a:solidFill>
+              </a:rPr>
+              <a:t>what</a:t>
+            </a:r>
+            <a:r>
+              <a:rPr lang="de-DE" dirty="0">
+                <a:solidFill>
+                  <a:srgbClr val="FF0000"/>
+                </a:solidFill>
+              </a:rPr>
+              <a:t> do </a:t>
+            </a:r>
+            <a:r>
+              <a:rPr lang="de-DE" dirty="0" err="1">
+                <a:solidFill>
+                  <a:srgbClr val="FF0000"/>
+                </a:solidFill>
+              </a:rPr>
+              <a:t>we</a:t>
+            </a:r>
+            <a:r>
+              <a:rPr lang="de-DE" dirty="0">
+                <a:solidFill>
+                  <a:srgbClr val="FF0000"/>
+                </a:solidFill>
+              </a:rPr>
+              <a:t> </a:t>
+            </a:r>
+            <a:r>
+              <a:rPr lang="de-DE" dirty="0" err="1">
+                <a:solidFill>
+                  <a:srgbClr val="FF0000"/>
+                </a:solidFill>
+              </a:rPr>
+              <a:t>want</a:t>
+            </a:r>
+            <a:r>
+              <a:rPr lang="de-DE" dirty="0">
+                <a:solidFill>
+                  <a:srgbClr val="FF0000"/>
+                </a:solidFill>
+              </a:rPr>
+              <a:t> </a:t>
+            </a:r>
+            <a:r>
+              <a:rPr lang="de-DE" dirty="0" err="1">
+                <a:solidFill>
+                  <a:srgbClr val="FF0000"/>
+                </a:solidFill>
+              </a:rPr>
+              <a:t>to</a:t>
+            </a:r>
+            <a:r>
+              <a:rPr lang="de-DE" dirty="0">
+                <a:solidFill>
+                  <a:srgbClr val="FF0000"/>
+                </a:solidFill>
+              </a:rPr>
+              <a:t> </a:t>
+            </a:r>
+            <a:r>
+              <a:rPr lang="de-DE" dirty="0" err="1">
+                <a:solidFill>
+                  <a:srgbClr val="FF0000"/>
+                </a:solidFill>
+              </a:rPr>
+              <a:t>achieve</a:t>
+            </a:r>
+            <a:endParaRPr lang="de-DE" dirty="0">
+              <a:solidFill>
+                <a:srgbClr val="FF0000"/>
+              </a:solidFill>
+            </a:endParaRPr>
+          </a:p>
+        </p:txBody>
+      </p:sp>
+    </p:spTree>
+    <p:extLst>
+      <p:ext uri="{BB962C8B-B14F-4D97-AF65-F5344CB8AC3E}">
+        <p14:creationId xmlns:p14="http://schemas.microsoft.com/office/powerpoint/2010/main" val="1978807905"/>
+      </p:ext>
+    </p:extLst>
   </p:cSld>
   <p:clrMapOvr>
     <a:masterClrMapping/>
@@ -4089,63 +4624,42 @@
           </a:p>
         </p:txBody>
       </p:sp>
-      <p:sp>
-        <p:nvSpPr>
-          <p:cNvPr id="3" name="Inhaltsplatzhalter 2">
+      <p:pic>
+        <p:nvPicPr>
+          <p:cNvPr id="7" name="Grafik 6">
             <a:extLst>
               <a:ext uri="{FF2B5EF4-FFF2-40B4-BE49-F238E27FC236}">
-                <a16:creationId xmlns:a16="http://schemas.microsoft.com/office/drawing/2014/main" id="{9CEAAB0E-5D5C-4129-936B-DFFA777604D2}"/>
+                <a16:creationId xmlns:a16="http://schemas.microsoft.com/office/drawing/2014/main" id="{FFDF6DA0-D257-BE41-9D1F-2B28388E1DF3}"/>
               </a:ext>
             </a:extLst>
           </p:cNvPr>
-          <p:cNvSpPr>
-            <a:spLocks noGrp="1"/>
-          </p:cNvSpPr>
-          <p:nvPr>
-            <p:ph idx="1"/>
-          </p:nvPr>
-        </p:nvSpPr>
-        <p:spPr/>
-        <p:txBody>
-          <a:bodyPr/>
-          <a:lstStyle/>
-          <a:p>
-            <a:pPr marL="0" indent="0"/>
-            <a:r>
-              <a:rPr lang="en-US" dirty="0">
-                <a:solidFill>
-                  <a:srgbClr val="FF0000"/>
-                </a:solidFill>
-              </a:rPr>
-              <a:t>Felix and </a:t>
-            </a:r>
-            <a:r>
-              <a:rPr lang="en-US" dirty="0" err="1">
-                <a:solidFill>
-                  <a:srgbClr val="FF0000"/>
-                </a:solidFill>
-              </a:rPr>
-              <a:t>Korbi</a:t>
-            </a:r>
-            <a:endParaRPr lang="en-US" dirty="0">
-              <a:solidFill>
-                <a:srgbClr val="FF0000"/>
-              </a:solidFill>
-            </a:endParaRPr>
-          </a:p>
-          <a:p>
-            <a:pPr marL="457200" indent="-457200">
-              <a:buFont typeface="+mj-lt"/>
-              <a:buAutoNum type="arabicPeriod"/>
-            </a:pPr>
-            <a:endParaRPr lang="de-DE" dirty="0">
-              <a:solidFill>
-                <a:srgbClr val="FF0000"/>
-              </a:solidFill>
-            </a:endParaRPr>
-          </a:p>
-        </p:txBody>
-      </p:sp>
+          <p:cNvPicPr>
+            <a:picLocks noChangeAspect="1"/>
+          </p:cNvPicPr>
+          <p:nvPr/>
+        </p:nvPicPr>
+        <p:blipFill>
+          <a:blip r:embed="rId2">
+            <a:extLst>
+              <a:ext uri="{28A0092B-C50C-407E-A947-70E740481C1C}">
+                <a14:useLocalDpi xmlns:a14="http://schemas.microsoft.com/office/drawing/2010/main" val="0"/>
+              </a:ext>
+            </a:extLst>
+          </a:blip>
+          <a:stretch>
+            <a:fillRect/>
+          </a:stretch>
+        </p:blipFill>
+        <p:spPr>
+          <a:xfrm>
+            <a:off x="251520" y="1484784"/>
+            <a:ext cx="8625583" cy="4608512"/>
+          </a:xfrm>
+          <a:prstGeom prst="rect">
+            <a:avLst/>
+          </a:prstGeom>
+        </p:spPr>
+      </p:pic>
     </p:spTree>
     <p:extLst>
       <p:ext uri="{BB962C8B-B14F-4D97-AF65-F5344CB8AC3E}">
@@ -4199,60 +4713,202 @@
           <a:p>
             <a:pPr marL="457200" indent="-457200">
               <a:buFont typeface="+mj-lt"/>
-              <a:buAutoNum type="arabicPeriod" startAt="3"/>
+              <a:buAutoNum type="arabicPeriod" startAt="2"/>
             </a:pPr>
             <a:r>
-              <a:rPr lang="en-US" dirty="0" err="1"/>
-              <a:t>Superpixel</a:t>
-            </a:r>
-            <a:endParaRPr lang="en-US" dirty="0"/>
-          </a:p>
-        </p:txBody>
-      </p:sp>
-      <p:sp>
-        <p:nvSpPr>
-          <p:cNvPr id="3" name="Inhaltsplatzhalter 2">
+              <a:rPr lang="en-US" dirty="0"/>
+              <a:t>History and Architecture</a:t>
+            </a:r>
+          </a:p>
+        </p:txBody>
+      </p:sp>
+      <p:pic>
+        <p:nvPicPr>
+          <p:cNvPr id="5" name="Grafik 4">
             <a:extLst>
               <a:ext uri="{FF2B5EF4-FFF2-40B4-BE49-F238E27FC236}">
-                <a16:creationId xmlns:a16="http://schemas.microsoft.com/office/drawing/2014/main" id="{9CEAAB0E-5D5C-4129-936B-DFFA777604D2}"/>
+                <a16:creationId xmlns:a16="http://schemas.microsoft.com/office/drawing/2014/main" id="{4228F3EE-BBAA-0148-9223-15EE2A05C9C5}"/>
               </a:ext>
             </a:extLst>
           </p:cNvPr>
-          <p:cNvSpPr>
-            <a:spLocks noGrp="1"/>
-          </p:cNvSpPr>
-          <p:nvPr>
-            <p:ph idx="1"/>
-          </p:nvPr>
-        </p:nvSpPr>
-        <p:spPr/>
-        <p:txBody>
-          <a:bodyPr/>
+          <p:cNvPicPr>
+            <a:picLocks noChangeAspect="1"/>
+          </p:cNvPicPr>
+          <p:nvPr/>
+        </p:nvPicPr>
+        <p:blipFill>
+          <a:blip r:embed="rId3">
+            <a:extLst>
+              <a:ext uri="{28A0092B-C50C-407E-A947-70E740481C1C}">
+                <a14:useLocalDpi xmlns:a14="http://schemas.microsoft.com/office/drawing/2010/main" val="0"/>
+              </a:ext>
+            </a:extLst>
+          </a:blip>
+          <a:stretch>
+            <a:fillRect/>
+          </a:stretch>
+        </p:blipFill>
+        <p:spPr>
+          <a:xfrm>
+            <a:off x="251520" y="1484784"/>
+            <a:ext cx="8579882" cy="4680520"/>
+          </a:xfrm>
+          <a:prstGeom prst="rect">
+            <a:avLst/>
+          </a:prstGeom>
+        </p:spPr>
+      </p:pic>
+      <p:sp>
+        <p:nvSpPr>
+          <p:cNvPr id="8" name="Textfeld 7">
+            <a:extLst>
+              <a:ext uri="{FF2B5EF4-FFF2-40B4-BE49-F238E27FC236}">
+                <a16:creationId xmlns:a16="http://schemas.microsoft.com/office/drawing/2014/main" id="{05017F26-CB90-DC41-8819-56D5217E7347}"/>
+              </a:ext>
+            </a:extLst>
+          </p:cNvPr>
+          <p:cNvSpPr txBox="1"/>
+          <p:nvPr/>
+        </p:nvSpPr>
+        <p:spPr>
+          <a:xfrm>
+            <a:off x="5386392" y="2564904"/>
+            <a:ext cx="3506088" cy="646331"/>
+          </a:xfrm>
+          <a:prstGeom prst="rect">
+            <a:avLst/>
+          </a:prstGeom>
+          <a:noFill/>
+        </p:spPr>
+        <p:txBody>
+          <a:bodyPr wrap="none" rtlCol="0">
+            <a:spAutoFit/>
+          </a:bodyPr>
           <a:lstStyle/>
           <a:p>
-            <a:pPr marL="0" indent="0"/>
-            <a:r>
-              <a:rPr lang="en-US" dirty="0">
+            <a:r>
+              <a:rPr lang="de-DE" dirty="0" err="1">
                 <a:solidFill>
-                  <a:srgbClr val="FF0000"/>
+                  <a:schemeClr val="bg1"/>
                 </a:solidFill>
               </a:rPr>
-              <a:t>Helge</a:t>
-            </a:r>
-          </a:p>
-          <a:p>
-            <a:pPr marL="457200" indent="-457200">
-              <a:buFont typeface="+mj-lt"/>
-              <a:buAutoNum type="arabicPeriod"/>
-            </a:pPr>
-            <a:endParaRPr lang="de-DE" dirty="0"/>
+              <a:t>Reconstruct</a:t>
+            </a:r>
+            <a:r>
+              <a:rPr lang="de-DE" dirty="0">
+                <a:solidFill>
+                  <a:schemeClr val="bg1"/>
+                </a:solidFill>
+              </a:rPr>
+              <a:t> </a:t>
+            </a:r>
+            <a:r>
+              <a:rPr lang="de-DE" dirty="0" err="1">
+                <a:solidFill>
+                  <a:schemeClr val="bg1"/>
+                </a:solidFill>
+              </a:rPr>
+              <a:t>image</a:t>
+            </a:r>
+            <a:r>
+              <a:rPr lang="de-DE" dirty="0">
+                <a:solidFill>
+                  <a:schemeClr val="bg1"/>
+                </a:solidFill>
+              </a:rPr>
+              <a:t> </a:t>
+            </a:r>
+            <a:r>
+              <a:rPr lang="de-DE" dirty="0" err="1">
+                <a:solidFill>
+                  <a:schemeClr val="bg1"/>
+                </a:solidFill>
+              </a:rPr>
+              <a:t>with</a:t>
+            </a:r>
+            <a:r>
+              <a:rPr lang="de-DE" dirty="0">
+                <a:solidFill>
+                  <a:schemeClr val="bg1"/>
+                </a:solidFill>
+              </a:rPr>
+              <a:t> </a:t>
+            </a:r>
+            <a:r>
+              <a:rPr lang="de-DE" dirty="0" err="1">
+                <a:solidFill>
+                  <a:schemeClr val="bg1"/>
+                </a:solidFill>
+              </a:rPr>
+              <a:t>disparity</a:t>
+            </a:r>
+            <a:endParaRPr lang="de-DE" dirty="0">
+              <a:solidFill>
+                <a:schemeClr val="bg1"/>
+              </a:solidFill>
+            </a:endParaRPr>
+          </a:p>
+          <a:p>
+            <a:r>
+              <a:rPr lang="de-DE" dirty="0">
+                <a:solidFill>
+                  <a:schemeClr val="bg1"/>
+                </a:solidFill>
+              </a:rPr>
+              <a:t> </a:t>
+            </a:r>
+            <a:r>
+              <a:rPr lang="de-DE" dirty="0" err="1">
+                <a:solidFill>
+                  <a:schemeClr val="bg1"/>
+                </a:solidFill>
+              </a:rPr>
+              <a:t>and</a:t>
+            </a:r>
+            <a:r>
+              <a:rPr lang="de-DE" dirty="0">
+                <a:solidFill>
+                  <a:schemeClr val="bg1"/>
+                </a:solidFill>
+              </a:rPr>
+              <a:t> Pose, </a:t>
+            </a:r>
+            <a:r>
+              <a:rPr lang="de-DE" dirty="0" err="1">
+                <a:solidFill>
+                  <a:schemeClr val="bg1"/>
+                </a:solidFill>
+              </a:rPr>
+              <a:t>calculate</a:t>
+            </a:r>
+            <a:r>
+              <a:rPr lang="de-DE" dirty="0">
+                <a:solidFill>
+                  <a:schemeClr val="bg1"/>
+                </a:solidFill>
+              </a:rPr>
+              <a:t> </a:t>
+            </a:r>
+            <a:r>
+              <a:rPr lang="de-DE" dirty="0" err="1">
+                <a:solidFill>
+                  <a:schemeClr val="bg1"/>
+                </a:solidFill>
+              </a:rPr>
+              <a:t>loss</a:t>
+            </a:r>
+            <a:endParaRPr lang="de-DE" dirty="0">
+              <a:solidFill>
+                <a:schemeClr val="bg1"/>
+              </a:solidFill>
+            </a:endParaRPr>
           </a:p>
         </p:txBody>
       </p:sp>
     </p:spTree>
     <p:extLst>
       <p:ext uri="{BB962C8B-B14F-4D97-AF65-F5344CB8AC3E}">
-        <p14:creationId xmlns:p14="http://schemas.microsoft.com/office/powerpoint/2010/main" val="1602724363"/>
+        <p14:creationId xmlns:p14="http://schemas.microsoft.com/office/powerpoint/2010/main" val="1580754755"/>
       </p:ext>
     </p:extLst>
   </p:cSld>
@@ -4302,67 +4958,19 @@
           <a:p>
             <a:pPr marL="457200" indent="-457200">
               <a:buFont typeface="+mj-lt"/>
-              <a:buAutoNum type="arabicPeriod" startAt="4"/>
+              <a:buAutoNum type="arabicPeriod" startAt="2"/>
             </a:pPr>
             <a:r>
               <a:rPr lang="en-US" dirty="0"/>
-              <a:t>Results</a:t>
-            </a:r>
-          </a:p>
-        </p:txBody>
-      </p:sp>
-      <p:sp>
-        <p:nvSpPr>
-          <p:cNvPr id="3" name="Inhaltsplatzhalter 2">
-            <a:extLst>
-              <a:ext uri="{FF2B5EF4-FFF2-40B4-BE49-F238E27FC236}">
-                <a16:creationId xmlns:a16="http://schemas.microsoft.com/office/drawing/2014/main" id="{9CEAAB0E-5D5C-4129-936B-DFFA777604D2}"/>
-              </a:ext>
-            </a:extLst>
-          </p:cNvPr>
-          <p:cNvSpPr>
-            <a:spLocks noGrp="1"/>
-          </p:cNvSpPr>
-          <p:nvPr>
-            <p:ph idx="1"/>
-          </p:nvPr>
-        </p:nvSpPr>
-        <p:spPr/>
-        <p:txBody>
-          <a:bodyPr/>
-          <a:lstStyle/>
-          <a:p>
-            <a:pPr marL="0" indent="0"/>
-            <a:r>
-              <a:rPr lang="en-US" dirty="0" err="1">
-                <a:solidFill>
-                  <a:srgbClr val="FF0000"/>
-                </a:solidFill>
-              </a:rPr>
-              <a:t>Korbi</a:t>
-            </a:r>
-            <a:r>
-              <a:rPr lang="en-US" dirty="0">
-                <a:solidFill>
-                  <a:srgbClr val="FF0000"/>
-                </a:solidFill>
-              </a:rPr>
-              <a:t> und Helge</a:t>
-            </a:r>
-          </a:p>
-          <a:p>
-            <a:pPr marL="457200" indent="-457200">
-              <a:buFont typeface="+mj-lt"/>
-              <a:buAutoNum type="arabicPeriod"/>
-            </a:pPr>
-            <a:endParaRPr lang="de-DE" dirty="0"/>
+              <a:t>Loss</a:t>
+            </a:r>
           </a:p>
         </p:txBody>
       </p:sp>
     </p:spTree>
     <p:extLst>
       <p:ext uri="{BB962C8B-B14F-4D97-AF65-F5344CB8AC3E}">
-        <p14:creationId xmlns:p14="http://schemas.microsoft.com/office/powerpoint/2010/main" val="2354355038"/>
+        <p14:creationId xmlns:p14="http://schemas.microsoft.com/office/powerpoint/2010/main" val="2510429539"/>
       </p:ext>
     </p:extLst>
   </p:cSld>
@@ -4412,12 +5020,13 @@
           <a:p>
             <a:pPr marL="457200" indent="-457200">
               <a:buFont typeface="+mj-lt"/>
-              <a:buAutoNum type="arabicPeriod" startAt="5"/>
+              <a:buAutoNum type="arabicPeriod" startAt="3"/>
             </a:pPr>
             <a:r>
-              <a:rPr lang="en-US" dirty="0"/>
-              <a:t>Forecast and Approaches</a:t>
-            </a:r>
+              <a:rPr lang="en-US" dirty="0" err="1"/>
+              <a:t>Superpixel</a:t>
+            </a:r>
+            <a:endParaRPr lang="en-US" dirty="0"/>
           </a:p>
         </p:txBody>
       </p:sp>
@@ -4444,32 +5053,27 @@
           <a:p>
             <a:pPr marL="0" indent="0"/>
             <a:r>
-              <a:rPr lang="de-DE" dirty="0">
+              <a:rPr lang="en-US" dirty="0">
                 <a:solidFill>
                   <a:srgbClr val="FF0000"/>
                 </a:solidFill>
               </a:rPr>
-              <a:t>Felix </a:t>
-            </a:r>
-            <a:r>
-              <a:rPr lang="de-DE" dirty="0"/>
-              <a:t>and</a:t>
-            </a:r>
-            <a:r>
-              <a:rPr lang="de-DE" dirty="0">
-                <a:solidFill>
-                  <a:srgbClr val="FF0000"/>
-                </a:solidFill>
-              </a:rPr>
-              <a:t> Jan</a:t>
-            </a:r>
+              <a:t>Helge</a:t>
+            </a:r>
+          </a:p>
+          <a:p>
+            <a:pPr marL="457200" indent="-457200">
+              <a:buFont typeface="+mj-lt"/>
+              <a:buAutoNum type="arabicPeriod"/>
+            </a:pPr>
+            <a:endParaRPr lang="de-DE" dirty="0"/>
           </a:p>
         </p:txBody>
       </p:sp>
     </p:spTree>
     <p:extLst>
       <p:ext uri="{BB962C8B-B14F-4D97-AF65-F5344CB8AC3E}">
-        <p14:creationId xmlns:p14="http://schemas.microsoft.com/office/powerpoint/2010/main" val="3254942594"/>
+        <p14:creationId xmlns:p14="http://schemas.microsoft.com/office/powerpoint/2010/main" val="1602724363"/>
       </p:ext>
     </p:extLst>
   </p:cSld>
@@ -4519,11 +5123,11 @@
           <a:p>
             <a:pPr marL="457200" indent="-457200">
               <a:buFont typeface="+mj-lt"/>
-              <a:buAutoNum type="arabicPeriod" startAt="6"/>
+              <a:buAutoNum type="arabicPeriod" startAt="4"/>
             </a:pPr>
             <a:r>
               <a:rPr lang="en-US" dirty="0"/>
-              <a:t>Review</a:t>
+              <a:t>Results</a:t>
             </a:r>
           </a:p>
         </p:txBody>
@@ -4544,12 +5148,117 @@
             <p:ph idx="1"/>
           </p:nvPr>
         </p:nvSpPr>
-        <p:spPr>
-          <a:xfrm>
-            <a:off x="360000" y="1620000"/>
-            <a:ext cx="8532480" cy="4479943"/>
-          </a:xfrm>
-        </p:spPr>
+        <p:spPr/>
+        <p:txBody>
+          <a:bodyPr/>
+          <a:lstStyle/>
+          <a:p>
+            <a:pPr marL="0" indent="0"/>
+            <a:r>
+              <a:rPr lang="en-US" dirty="0" err="1">
+                <a:solidFill>
+                  <a:srgbClr val="FF0000"/>
+                </a:solidFill>
+              </a:rPr>
+              <a:t>Korbi</a:t>
+            </a:r>
+            <a:r>
+              <a:rPr lang="en-US" dirty="0">
+                <a:solidFill>
+                  <a:srgbClr val="FF0000"/>
+                </a:solidFill>
+              </a:rPr>
+              <a:t> und Helge</a:t>
+            </a:r>
+          </a:p>
+          <a:p>
+            <a:pPr marL="457200" indent="-457200">
+              <a:buFont typeface="+mj-lt"/>
+              <a:buAutoNum type="arabicPeriod"/>
+            </a:pPr>
+            <a:endParaRPr lang="de-DE" dirty="0"/>
+          </a:p>
+        </p:txBody>
+      </p:sp>
+    </p:spTree>
+    <p:extLst>
+      <p:ext uri="{BB962C8B-B14F-4D97-AF65-F5344CB8AC3E}">
+        <p14:creationId xmlns:p14="http://schemas.microsoft.com/office/powerpoint/2010/main" val="2354355038"/>
+      </p:ext>
+    </p:extLst>
+  </p:cSld>
+  <p:clrMapOvr>
+    <a:masterClrMapping/>
+  </p:clrMapOvr>
+</p:sld>
+</file>
+
+<file path=ppt/slides/slide9.xml><?xml version="1.0" encoding="utf-8"?>
+<p:sld xmlns:a="http://schemas.openxmlformats.org/drawingml/2006/main" xmlns:r="http://schemas.openxmlformats.org/officeDocument/2006/relationships" xmlns:p="http://schemas.openxmlformats.org/presentationml/2006/main">
+  <p:cSld>
+    <p:spTree>
+      <p:nvGrpSpPr>
+        <p:cNvPr id="1" name=""/>
+        <p:cNvGrpSpPr/>
+        <p:nvPr/>
+      </p:nvGrpSpPr>
+      <p:grpSpPr>
+        <a:xfrm>
+          <a:off x="0" y="0"/>
+          <a:ext cx="0" cy="0"/>
+          <a:chOff x="0" y="0"/>
+          <a:chExt cx="0" cy="0"/>
+        </a:xfrm>
+      </p:grpSpPr>
+      <p:sp>
+        <p:nvSpPr>
+          <p:cNvPr id="2" name="Titel 1">
+            <a:extLst>
+              <a:ext uri="{FF2B5EF4-FFF2-40B4-BE49-F238E27FC236}">
+                <a16:creationId xmlns:a16="http://schemas.microsoft.com/office/drawing/2014/main" id="{58F29F37-F576-48D7-A284-FDC5010F3983}"/>
+              </a:ext>
+            </a:extLst>
+          </p:cNvPr>
+          <p:cNvSpPr>
+            <a:spLocks noGrp="1"/>
+          </p:cNvSpPr>
+          <p:nvPr>
+            <p:ph type="title"/>
+          </p:nvPr>
+        </p:nvSpPr>
+        <p:spPr/>
+        <p:txBody>
+          <a:bodyPr/>
+          <a:lstStyle/>
+          <a:p>
+            <a:pPr marL="457200" indent="-457200">
+              <a:buFont typeface="+mj-lt"/>
+              <a:buAutoNum type="arabicPeriod" startAt="5"/>
+            </a:pPr>
+            <a:r>
+              <a:rPr lang="en-US" dirty="0"/>
+              <a:t>Forecast and Approaches</a:t>
+            </a:r>
+          </a:p>
+        </p:txBody>
+      </p:sp>
+      <p:sp>
+        <p:nvSpPr>
+          <p:cNvPr id="3" name="Inhaltsplatzhalter 2">
+            <a:extLst>
+              <a:ext uri="{FF2B5EF4-FFF2-40B4-BE49-F238E27FC236}">
+                <a16:creationId xmlns:a16="http://schemas.microsoft.com/office/drawing/2014/main" id="{9CEAAB0E-5D5C-4129-936B-DFFA777604D2}"/>
+              </a:ext>
+            </a:extLst>
+          </p:cNvPr>
+          <p:cNvSpPr>
+            <a:spLocks noGrp="1"/>
+          </p:cNvSpPr>
+          <p:nvPr>
+            <p:ph idx="1"/>
+          </p:nvPr>
+        </p:nvSpPr>
+        <p:spPr/>
         <p:txBody>
           <a:bodyPr/>
           <a:lstStyle/>
@@ -4561,15 +5270,11 @@
                   <a:srgbClr val="FF0000"/>
                 </a:solidFill>
               </a:rPr>
-              <a:t>Whole Group: </a:t>
-            </a:r>
-            <a:r>
-              <a:rPr lang="de-DE" dirty="0" err="1">
-                <a:solidFill>
-                  <a:srgbClr val="FF0000"/>
-                </a:solidFill>
-              </a:rPr>
-              <a:t>Comparison</a:t>
+              <a:t>Felix </a:t>
+            </a:r>
+            <a:r>
+              <a:rPr lang="de-DE" dirty="0"/>
+              <a:t>and</a:t>
             </a:r>
             <a:r>
               <a:rPr lang="de-DE" dirty="0">
@@ -4577,156 +5282,15 @@
                   <a:srgbClr val="FF0000"/>
                 </a:solidFill>
               </a:rPr>
-              <a:t> </a:t>
-            </a:r>
-            <a:r>
-              <a:rPr lang="de-DE" dirty="0" err="1">
-                <a:solidFill>
-                  <a:srgbClr val="FF0000"/>
-                </a:solidFill>
-              </a:rPr>
-              <a:t>between</a:t>
-            </a:r>
-            <a:r>
-              <a:rPr lang="de-DE" dirty="0">
-                <a:solidFill>
-                  <a:srgbClr val="FF0000"/>
-                </a:solidFill>
-              </a:rPr>
-              <a:t> </a:t>
-            </a:r>
-            <a:r>
-              <a:rPr lang="de-DE" dirty="0" err="1">
-                <a:solidFill>
-                  <a:srgbClr val="FF0000"/>
-                </a:solidFill>
-              </a:rPr>
-              <a:t>whats</a:t>
-            </a:r>
-            <a:r>
-              <a:rPr lang="de-DE" dirty="0">
-                <a:solidFill>
-                  <a:srgbClr val="FF0000"/>
-                </a:solidFill>
-              </a:rPr>
-              <a:t> </a:t>
-            </a:r>
-            <a:r>
-              <a:rPr lang="de-DE" dirty="0" err="1">
-                <a:solidFill>
-                  <a:srgbClr val="FF0000"/>
-                </a:solidFill>
-              </a:rPr>
-              <a:t>our</a:t>
-            </a:r>
-            <a:r>
-              <a:rPr lang="de-DE" dirty="0">
-                <a:solidFill>
-                  <a:srgbClr val="FF0000"/>
-                </a:solidFill>
-              </a:rPr>
-              <a:t> </a:t>
-            </a:r>
-            <a:r>
-              <a:rPr lang="de-DE" dirty="0" err="1">
-                <a:solidFill>
-                  <a:srgbClr val="FF0000"/>
-                </a:solidFill>
-              </a:rPr>
-              <a:t>state</a:t>
-            </a:r>
-            <a:r>
-              <a:rPr lang="de-DE" dirty="0">
-                <a:solidFill>
-                  <a:srgbClr val="FF0000"/>
-                </a:solidFill>
-              </a:rPr>
-              <a:t> </a:t>
-            </a:r>
-            <a:r>
-              <a:rPr lang="de-DE" dirty="0" err="1">
-                <a:solidFill>
-                  <a:srgbClr val="FF0000"/>
-                </a:solidFill>
-              </a:rPr>
-              <a:t>what</a:t>
-            </a:r>
-            <a:r>
-              <a:rPr lang="de-DE" dirty="0">
-                <a:solidFill>
-                  <a:srgbClr val="FF0000"/>
-                </a:solidFill>
-              </a:rPr>
-              <a:t> do </a:t>
-            </a:r>
-            <a:r>
-              <a:rPr lang="de-DE" dirty="0" err="1">
-                <a:solidFill>
-                  <a:srgbClr val="FF0000"/>
-                </a:solidFill>
-              </a:rPr>
-              <a:t>we</a:t>
-            </a:r>
-            <a:r>
-              <a:rPr lang="de-DE" dirty="0">
-                <a:solidFill>
-                  <a:srgbClr val="FF0000"/>
-                </a:solidFill>
-              </a:rPr>
-              <a:t> </a:t>
-            </a:r>
-            <a:r>
-              <a:rPr lang="de-DE" dirty="0" err="1">
-                <a:solidFill>
-                  <a:srgbClr val="FF0000"/>
-                </a:solidFill>
-              </a:rPr>
-              <a:t>want</a:t>
-            </a:r>
-            <a:r>
-              <a:rPr lang="de-DE" dirty="0">
-                <a:solidFill>
-                  <a:srgbClr val="FF0000"/>
-                </a:solidFill>
-              </a:rPr>
-              <a:t> </a:t>
-            </a:r>
-            <a:r>
-              <a:rPr lang="de-DE" dirty="0" err="1">
-                <a:solidFill>
-                  <a:srgbClr val="FF0000"/>
-                </a:solidFill>
-              </a:rPr>
-              <a:t>to</a:t>
-            </a:r>
-            <a:r>
-              <a:rPr lang="de-DE" dirty="0">
-                <a:solidFill>
-                  <a:srgbClr val="FF0000"/>
-                </a:solidFill>
-              </a:rPr>
-              <a:t> </a:t>
-            </a:r>
-            <a:r>
-              <a:rPr lang="de-DE" dirty="0" err="1">
-                <a:solidFill>
-                  <a:srgbClr val="FF0000"/>
-                </a:solidFill>
-              </a:rPr>
-              <a:t>achieve</a:t>
-            </a:r>
-            <a:endParaRPr lang="de-DE" dirty="0">
-              <a:solidFill>
-                <a:srgbClr val="FF0000"/>
-              </a:solidFill>
-            </a:endParaRPr>
+              <a:t> Jan</a:t>
+            </a:r>
           </a:p>
         </p:txBody>
       </p:sp>
     </p:spTree>
     <p:extLst>
       <p:ext uri="{BB962C8B-B14F-4D97-AF65-F5344CB8AC3E}">
-        <p14:creationId xmlns:p14="http://schemas.microsoft.com/office/powerpoint/2010/main" val="1978807905"/>
+        <p14:creationId xmlns:p14="http://schemas.microsoft.com/office/powerpoint/2010/main" val="3254942594"/>
       </p:ext>
     </p:extLst>
   </p:cSld>
